--- a/SPL-mid.pptx
+++ b/SPL-mid.pptx
@@ -8,12 +8,12 @@
     <p:sldId id="272" r:id="rId2"/>
     <p:sldId id="256" r:id="rId3"/>
     <p:sldId id="257" r:id="rId4"/>
-    <p:sldId id="266" r:id="rId5"/>
-    <p:sldId id="261" r:id="rId6"/>
-    <p:sldId id="259" r:id="rId7"/>
-    <p:sldId id="260" r:id="rId8"/>
-    <p:sldId id="264" r:id="rId9"/>
-    <p:sldId id="265" r:id="rId10"/>
+    <p:sldId id="265" r:id="rId5"/>
+    <p:sldId id="266" r:id="rId6"/>
+    <p:sldId id="261" r:id="rId7"/>
+    <p:sldId id="259" r:id="rId8"/>
+    <p:sldId id="260" r:id="rId9"/>
+    <p:sldId id="264" r:id="rId10"/>
     <p:sldId id="268" r:id="rId11"/>
     <p:sldId id="270" r:id="rId12"/>
     <p:sldId id="273" r:id="rId13"/>
@@ -256,7 +256,7 @@
           <a:p>
             <a:fld id="{A20F7539-0DBE-4ED4-B0C2-500151A5B887}" type="datetimeFigureOut">
               <a:rPr lang="en-US" smtClean="0"/>
-              <a:t>09-Sep-23</a:t>
+              <a:t>10-Sep-23</a:t>
             </a:fld>
             <a:endParaRPr lang="en-US"/>
           </a:p>
@@ -543,7 +543,7 @@
           <a:p>
             <a:fld id="{A20F7539-0DBE-4ED4-B0C2-500151A5B887}" type="datetimeFigureOut">
               <a:rPr lang="en-US" smtClean="0"/>
-              <a:t>09-Sep-23</a:t>
+              <a:t>10-Sep-23</a:t>
             </a:fld>
             <a:endParaRPr lang="en-US"/>
           </a:p>
@@ -735,7 +735,7 @@
           <a:p>
             <a:fld id="{A20F7539-0DBE-4ED4-B0C2-500151A5B887}" type="datetimeFigureOut">
               <a:rPr lang="en-US" smtClean="0"/>
-              <a:t>09-Sep-23</a:t>
+              <a:t>10-Sep-23</a:t>
             </a:fld>
             <a:endParaRPr lang="en-US"/>
           </a:p>
@@ -996,7 +996,7 @@
           <a:p>
             <a:fld id="{A20F7539-0DBE-4ED4-B0C2-500151A5B887}" type="datetimeFigureOut">
               <a:rPr lang="en-US" smtClean="0"/>
-              <a:t>09-Sep-23</a:t>
+              <a:t>10-Sep-23</a:t>
             </a:fld>
             <a:endParaRPr lang="en-US"/>
           </a:p>
@@ -1420,7 +1420,7 @@
           <a:p>
             <a:fld id="{A20F7539-0DBE-4ED4-B0C2-500151A5B887}" type="datetimeFigureOut">
               <a:rPr lang="en-US" smtClean="0"/>
-              <a:t>09-Sep-23</a:t>
+              <a:t>10-Sep-23</a:t>
             </a:fld>
             <a:endParaRPr lang="en-US"/>
           </a:p>
@@ -1966,7 +1966,7 @@
           <a:p>
             <a:fld id="{A20F7539-0DBE-4ED4-B0C2-500151A5B887}" type="datetimeFigureOut">
               <a:rPr lang="en-US" smtClean="0"/>
-              <a:t>09-Sep-23</a:t>
+              <a:t>10-Sep-23</a:t>
             </a:fld>
             <a:endParaRPr lang="en-US"/>
           </a:p>
@@ -2806,7 +2806,7 @@
           <a:p>
             <a:fld id="{A20F7539-0DBE-4ED4-B0C2-500151A5B887}" type="datetimeFigureOut">
               <a:rPr lang="en-US" smtClean="0"/>
-              <a:t>09-Sep-23</a:t>
+              <a:t>10-Sep-23</a:t>
             </a:fld>
             <a:endParaRPr lang="en-US"/>
           </a:p>
@@ -2976,7 +2976,7 @@
           <a:p>
             <a:fld id="{A20F7539-0DBE-4ED4-B0C2-500151A5B887}" type="datetimeFigureOut">
               <a:rPr lang="en-US" smtClean="0"/>
-              <a:t>09-Sep-23</a:t>
+              <a:t>10-Sep-23</a:t>
             </a:fld>
             <a:endParaRPr lang="en-US"/>
           </a:p>
@@ -3160,7 +3160,7 @@
           <a:p>
             <a:fld id="{A20F7539-0DBE-4ED4-B0C2-500151A5B887}" type="datetimeFigureOut">
               <a:rPr lang="en-US" smtClean="0"/>
-              <a:t>09-Sep-23</a:t>
+              <a:t>10-Sep-23</a:t>
             </a:fld>
             <a:endParaRPr lang="en-US"/>
           </a:p>
@@ -3330,7 +3330,7 @@
           <a:p>
             <a:fld id="{A20F7539-0DBE-4ED4-B0C2-500151A5B887}" type="datetimeFigureOut">
               <a:rPr lang="en-US" smtClean="0"/>
-              <a:t>09-Sep-23</a:t>
+              <a:t>10-Sep-23</a:t>
             </a:fld>
             <a:endParaRPr lang="en-US"/>
           </a:p>
@@ -3578,7 +3578,7 @@
           <a:p>
             <a:fld id="{A20F7539-0DBE-4ED4-B0C2-500151A5B887}" type="datetimeFigureOut">
               <a:rPr lang="en-US" smtClean="0"/>
-              <a:t>09-Sep-23</a:t>
+              <a:t>10-Sep-23</a:t>
             </a:fld>
             <a:endParaRPr lang="en-US"/>
           </a:p>
@@ -3815,7 +3815,7 @@
           <a:p>
             <a:fld id="{A20F7539-0DBE-4ED4-B0C2-500151A5B887}" type="datetimeFigureOut">
               <a:rPr lang="en-US" smtClean="0"/>
-              <a:t>09-Sep-23</a:t>
+              <a:t>10-Sep-23</a:t>
             </a:fld>
             <a:endParaRPr lang="en-US"/>
           </a:p>
@@ -4188,7 +4188,7 @@
           <a:p>
             <a:fld id="{A20F7539-0DBE-4ED4-B0C2-500151A5B887}" type="datetimeFigureOut">
               <a:rPr lang="en-US" smtClean="0"/>
-              <a:t>09-Sep-23</a:t>
+              <a:t>10-Sep-23</a:t>
             </a:fld>
             <a:endParaRPr lang="en-US"/>
           </a:p>
@@ -4306,7 +4306,7 @@
           <a:p>
             <a:fld id="{A20F7539-0DBE-4ED4-B0C2-500151A5B887}" type="datetimeFigureOut">
               <a:rPr lang="en-US" smtClean="0"/>
-              <a:t>09-Sep-23</a:t>
+              <a:t>10-Sep-23</a:t>
             </a:fld>
             <a:endParaRPr lang="en-US"/>
           </a:p>
@@ -4401,7 +4401,7 @@
           <a:p>
             <a:fld id="{A20F7539-0DBE-4ED4-B0C2-500151A5B887}" type="datetimeFigureOut">
               <a:rPr lang="en-US" smtClean="0"/>
-              <a:t>09-Sep-23</a:t>
+              <a:t>10-Sep-23</a:t>
             </a:fld>
             <a:endParaRPr lang="en-US"/>
           </a:p>
@@ -4652,7 +4652,7 @@
           <a:p>
             <a:fld id="{A20F7539-0DBE-4ED4-B0C2-500151A5B887}" type="datetimeFigureOut">
               <a:rPr lang="en-US" smtClean="0"/>
-              <a:t>09-Sep-23</a:t>
+              <a:t>10-Sep-23</a:t>
             </a:fld>
             <a:endParaRPr lang="en-US"/>
           </a:p>
@@ -4939,7 +4939,7 @@
           <a:p>
             <a:fld id="{A20F7539-0DBE-4ED4-B0C2-500151A5B887}" type="datetimeFigureOut">
               <a:rPr lang="en-US" smtClean="0"/>
-              <a:t>09-Sep-23</a:t>
+              <a:t>10-Sep-23</a:t>
             </a:fld>
             <a:endParaRPr lang="en-US"/>
           </a:p>
@@ -5152,7 +5152,7 @@
           <a:p>
             <a:fld id="{A20F7539-0DBE-4ED4-B0C2-500151A5B887}" type="datetimeFigureOut">
               <a:rPr lang="en-US" smtClean="0"/>
-              <a:t>09-Sep-23</a:t>
+              <a:t>10-Sep-23</a:t>
             </a:fld>
             <a:endParaRPr lang="en-US"/>
           </a:p>
@@ -5669,6 +5669,7 @@
                 <a:solidFill>
                   <a:srgbClr val="002060"/>
                 </a:solidFill>
+                <a:effectLst/>
               </a:rPr>
               <a:t>PRESENTING </a:t>
             </a:r>
@@ -5677,6 +5678,7 @@
                 <a:solidFill>
                   <a:srgbClr val="002060"/>
                 </a:solidFill>
+                <a:effectLst/>
               </a:rPr>
             </a:br>
             <a:r>
@@ -5684,6 +5686,7 @@
                 <a:solidFill>
                   <a:srgbClr val="002060"/>
                 </a:solidFill>
+                <a:effectLst/>
               </a:rPr>
               <a:t>software PROJECT LAB</a:t>
             </a:r>
@@ -5692,6 +5695,7 @@
                 <a:solidFill>
                   <a:srgbClr val="002060"/>
                 </a:solidFill>
+                <a:effectLst/>
               </a:rPr>
             </a:br>
             <a:r>
@@ -5699,6 +5703,7 @@
                 <a:solidFill>
                   <a:srgbClr val="002060"/>
                 </a:solidFill>
+                <a:effectLst/>
               </a:rPr>
               <a:t>progress </a:t>
             </a:r>
@@ -5706,57 +5711,11 @@
               <a:solidFill>
                 <a:srgbClr val="002060"/>
               </a:solidFill>
+              <a:effectLst/>
             </a:endParaRPr>
           </a:p>
         </p:txBody>
       </p:sp>
-      <p:pic>
-        <p:nvPicPr>
-          <p:cNvPr id="4" name="Content Placeholder 3"/>
-          <p:cNvPicPr>
-            <a:picLocks noGrp="1" noChangeAspect="1"/>
-          </p:cNvPicPr>
-          <p:nvPr>
-            <p:ph idx="1"/>
-          </p:nvPr>
-        </p:nvPicPr>
-        <p:blipFill rotWithShape="1">
-          <a:blip r:embed="rId3" cstate="print">
-            <a:extLst>
-              <a:ext uri="{28A0092B-C50C-407E-A947-70E740481C1C}">
-                <a14:useLocalDpi xmlns:a14="http://schemas.microsoft.com/office/drawing/2010/main" val="0"/>
-              </a:ext>
-            </a:extLst>
-          </a:blip>
-          <a:srcRect l="402" t="12390" r="197" b="420"/>
-          <a:stretch/>
-        </p:blipFill>
-        <p:spPr>
-          <a:xfrm rot="-60000">
-            <a:off x="7331499" y="736223"/>
-            <a:ext cx="4301544" cy="2778298"/>
-          </a:xfrm>
-          <a:prstGeom prst="round2DiagRect">
-            <a:avLst>
-              <a:gd name="adj1" fmla="val 16667"/>
-              <a:gd name="adj2" fmla="val 0"/>
-            </a:avLst>
-          </a:prstGeom>
-          <a:ln w="88900" cap="sq">
-            <a:solidFill>
-              <a:schemeClr val="bg1"/>
-            </a:solidFill>
-            <a:miter lim="800000"/>
-          </a:ln>
-          <a:effectLst>
-            <a:outerShdw blurRad="254000" algn="tl" rotWithShape="0">
-              <a:srgbClr val="000000">
-                <a:alpha val="43000"/>
-              </a:srgbClr>
-            </a:outerShdw>
-          </a:effectLst>
-        </p:spPr>
-      </p:pic>
       <p:sp>
         <p:nvSpPr>
           <p:cNvPr id="5" name="TextBox 4"/>
@@ -5765,8 +5724,8 @@
         </p:nvSpPr>
         <p:spPr>
           <a:xfrm>
-            <a:off x="1012874" y="1037102"/>
-            <a:ext cx="5303520" cy="3293209"/>
+            <a:off x="1012874" y="2317264"/>
+            <a:ext cx="5303520" cy="2092881"/>
           </a:xfrm>
           <a:prstGeom prst="rect">
             <a:avLst/>
@@ -5780,7 +5739,7 @@
           <a:lstStyle/>
           <a:p>
             <a:r>
-              <a:rPr lang="en-US" sz="2400" b="1" dirty="0" smtClean="0">
+              <a:rPr lang="en-US" sz="2600" b="1" dirty="0" smtClean="0">
                 <a:solidFill>
                   <a:srgbClr val="002060"/>
                 </a:solidFill>
@@ -5790,7 +5749,7 @@
           </a:p>
           <a:p>
             <a:r>
-              <a:rPr lang="en-US" sz="2400" b="1" dirty="0" smtClean="0">
+              <a:rPr lang="en-US" sz="2600" b="1" dirty="0" smtClean="0">
                 <a:solidFill>
                   <a:srgbClr val="002060"/>
                 </a:solidFill>
@@ -5800,7 +5759,7 @@
           </a:p>
           <a:p>
             <a:r>
-              <a:rPr lang="en-US" sz="2400" b="1" dirty="0" smtClean="0">
+              <a:rPr lang="en-US" sz="2600" b="1" dirty="0" smtClean="0">
                 <a:solidFill>
                   <a:srgbClr val="002060"/>
                 </a:solidFill>
@@ -5816,22 +5775,79 @@
             </a:endParaRPr>
           </a:p>
           <a:p>
-            <a:r>
-              <a:rPr lang="en-US" sz="2800" b="1" dirty="0" smtClean="0">
-                <a:solidFill>
-                  <a:srgbClr val="002060"/>
-                </a:solidFill>
-              </a:rPr>
-              <a:t>Supervised by :</a:t>
-            </a:r>
-          </a:p>
-          <a:p>
+            <a:endParaRPr lang="en-US" sz="2400" dirty="0">
+              <a:solidFill>
+                <a:srgbClr val="002060"/>
+              </a:solidFill>
+            </a:endParaRPr>
+          </a:p>
+        </p:txBody>
+      </p:sp>
+      <p:sp>
+        <p:nvSpPr>
+          <p:cNvPr id="6" name="TextBox 5"/>
+          <p:cNvSpPr txBox="1"/>
+          <p:nvPr/>
+        </p:nvSpPr>
+        <p:spPr>
+          <a:xfrm>
+            <a:off x="7104185" y="1153551"/>
+            <a:ext cx="4473526" cy="3165231"/>
+          </a:xfrm>
+          <a:prstGeom prst="rect">
+            <a:avLst/>
+          </a:prstGeom>
+        </p:spPr>
+        <p:txBody>
+          <a:bodyPr wrap="square" rtlCol="0">
+            <a:spAutoFit/>
+          </a:bodyPr>
+          <a:lstStyle/>
+          <a:p>
+            <a:endParaRPr lang="en-US" dirty="0"/>
+          </a:p>
+        </p:txBody>
+      </p:sp>
+      <p:sp>
+        <p:nvSpPr>
+          <p:cNvPr id="7" name="TextBox 6"/>
+          <p:cNvSpPr txBox="1"/>
+          <p:nvPr/>
+        </p:nvSpPr>
+        <p:spPr>
+          <a:xfrm>
+            <a:off x="6611814" y="2335238"/>
+            <a:ext cx="5036234" cy="1384995"/>
+          </a:xfrm>
+          <a:prstGeom prst="rect">
+            <a:avLst/>
+          </a:prstGeom>
+          <a:noFill/>
+        </p:spPr>
+        <p:txBody>
+          <a:bodyPr wrap="square" rtlCol="0">
+            <a:spAutoFit/>
+          </a:bodyPr>
+          <a:lstStyle/>
+          <a:p>
+            <a:pPr lvl="0"/>
             <a:r>
               <a:rPr lang="en-US" sz="2800" b="1" dirty="0">
                 <a:solidFill>
                   <a:srgbClr val="002060"/>
                 </a:solidFill>
               </a:rPr>
+              <a:t>Supervised by :</a:t>
+            </a:r>
+          </a:p>
+          <a:p>
+            <a:pPr lvl="0"/>
+            <a:r>
+              <a:rPr lang="en-US" sz="2800" b="1" dirty="0">
+                <a:solidFill>
+                  <a:srgbClr val="002060"/>
+                </a:solidFill>
+              </a:rPr>
               <a:t>Assistant Prof. </a:t>
             </a:r>
             <a:r>
@@ -5851,22 +5867,23 @@
               <a:t> </a:t>
             </a:r>
             <a:r>
-              <a:rPr lang="en-US" sz="2800" b="1" dirty="0" err="1" smtClean="0">
+              <a:rPr lang="en-US" sz="2800" b="1" dirty="0" err="1">
                 <a:solidFill>
                   <a:srgbClr val="002060"/>
                 </a:solidFill>
               </a:rPr>
               <a:t>Satter</a:t>
             </a:r>
-            <a:endParaRPr lang="en-US" sz="2800" b="1" dirty="0" smtClean="0">
+            <a:endParaRPr lang="en-US" sz="2800" b="1" dirty="0">
               <a:solidFill>
                 <a:srgbClr val="002060"/>
               </a:solidFill>
             </a:endParaRPr>
           </a:p>
           <a:p>
-            <a:r>
-              <a:rPr lang="en-US" sz="2800" b="1" dirty="0" smtClean="0">
+            <a:pPr lvl="0"/>
+            <a:r>
+              <a:rPr lang="en-US" sz="2800" b="1" dirty="0">
                 <a:solidFill>
                   <a:srgbClr val="002060"/>
                 </a:solidFill>
@@ -5874,11 +5891,60 @@
               <a:t>IIT, Dhaka University.</a:t>
             </a:r>
           </a:p>
-          <a:p>
-            <a:endParaRPr lang="en-US" sz="2400" dirty="0">
+        </p:txBody>
+      </p:sp>
+      <p:sp>
+        <p:nvSpPr>
+          <p:cNvPr id="8" name="TextBox 7"/>
+          <p:cNvSpPr txBox="1"/>
+          <p:nvPr/>
+        </p:nvSpPr>
+        <p:spPr>
+          <a:xfrm>
+            <a:off x="2334601" y="934452"/>
+            <a:ext cx="7512148" cy="646331"/>
+          </a:xfrm>
+          <a:prstGeom prst="rect">
+            <a:avLst/>
+          </a:prstGeom>
+          <a:noFill/>
+        </p:spPr>
+        <p:txBody>
+          <a:bodyPr wrap="square" rtlCol="0">
+            <a:spAutoFit/>
+          </a:bodyPr>
+          <a:lstStyle/>
+          <a:p>
+            <a:r>
+              <a:rPr lang="en-US" sz="3600" b="1" u="sng" dirty="0" smtClean="0">
+                <a:solidFill>
+                  <a:schemeClr val="accent2">
+                    <a:lumMod val="50000"/>
+                  </a:schemeClr>
+                </a:solidFill>
+                <a:effectLst>
+                  <a:outerShdw blurRad="38100" dist="38100" dir="2700000" algn="tl">
+                    <a:srgbClr val="000000">
+                      <a:alpha val="43137"/>
+                    </a:srgbClr>
+                  </a:outerShdw>
+                </a:effectLst>
+              </a:rPr>
+              <a:t>SOFTWARE PROJECT LAB - 01</a:t>
+            </a:r>
+            <a:endParaRPr lang="en-US" sz="3600" b="1" u="sng" dirty="0">
               <a:solidFill>
-                <a:srgbClr val="002060"/>
+                <a:schemeClr val="accent2">
+                  <a:lumMod val="50000"/>
+                </a:schemeClr>
               </a:solidFill>
+              <a:effectLst>
+                <a:outerShdw blurRad="38100" dist="38100" dir="2700000" algn="tl">
+                  <a:srgbClr val="000000">
+                    <a:alpha val="43137"/>
+                  </a:srgbClr>
+                </a:outerShdw>
+              </a:effectLst>
             </a:endParaRPr>
           </a:p>
         </p:txBody>
@@ -5893,6 +5959,18 @@
   <p:clrMapOvr>
     <a:masterClrMapping/>
   </p:clrMapOvr>
+  <mc:AlternateContent xmlns:mc="http://schemas.openxmlformats.org/markup-compatibility/2006">
+    <mc:Choice xmlns:p14="http://schemas.microsoft.com/office/powerpoint/2010/main" Requires="p14">
+      <p:transition spd="med" p14:dur="700">
+        <p:fade/>
+      </p:transition>
+    </mc:Choice>
+    <mc:Fallback>
+      <p:transition spd="med">
+        <p:fade/>
+      </p:transition>
+    </mc:Fallback>
+  </mc:AlternateContent>
   <p:timing>
     <p:tnLst>
       <p:par>
@@ -5925,7 +6003,7 @@
           <p:cNvPr id="2" name="Title 1">
             <a:extLst>
               <a:ext uri="{FF2B5EF4-FFF2-40B4-BE49-F238E27FC236}">
-                <a16:creationId xmlns:a16="http://schemas.microsoft.com/office/drawing/2014/main" xmlns="" id="{2842FD1B-E817-4D6E-BEF9-97467597475D}"/>
+                <a16:creationId xmlns="" xmlns:a16="http://schemas.microsoft.com/office/drawing/2014/main" id="{2842FD1B-E817-4D6E-BEF9-97467597475D}"/>
               </a:ext>
             </a:extLst>
           </p:cNvPr>
@@ -5965,7 +6043,7 @@
           <p:cNvPr id="3" name="Content Placeholder 2">
             <a:extLst>
               <a:ext uri="{FF2B5EF4-FFF2-40B4-BE49-F238E27FC236}">
-                <a16:creationId xmlns:a16="http://schemas.microsoft.com/office/drawing/2014/main" xmlns="" id="{446DAEC2-16D4-4A04-9A1D-296D4A8F6736}"/>
+                <a16:creationId xmlns="" xmlns:a16="http://schemas.microsoft.com/office/drawing/2014/main" id="{446DAEC2-16D4-4A04-9A1D-296D4A8F6736}"/>
               </a:ext>
             </a:extLst>
           </p:cNvPr>
@@ -6041,7 +6119,7 @@
     <a:masterClrMapping/>
   </p:clrMapOvr>
   <mc:AlternateContent xmlns:mc="http://schemas.openxmlformats.org/markup-compatibility/2006">
-    <mc:Choice xmlns:p159="http://schemas.microsoft.com/office/powerpoint/2015/09/main" xmlns="" Requires="p159">
+    <mc:Choice xmlns="" xmlns:p159="http://schemas.microsoft.com/office/powerpoint/2015/09/main" Requires="p159">
       <p:transition xmlns:p14="http://schemas.microsoft.com/office/powerpoint/2010/main" spd="slow" p14:dur="2000">
         <p159:morph option="byObject"/>
       </p:transition>
@@ -6084,7 +6162,7 @@
           <p:cNvPr id="2" name="Title 1">
             <a:extLst>
               <a:ext uri="{FF2B5EF4-FFF2-40B4-BE49-F238E27FC236}">
-                <a16:creationId xmlns:a16="http://schemas.microsoft.com/office/drawing/2014/main" xmlns="" id="{D3F63A40-81E2-4ADC-8BC3-E2F5F56A1655}"/>
+                <a16:creationId xmlns="" xmlns:a16="http://schemas.microsoft.com/office/drawing/2014/main" id="{D3F63A40-81E2-4ADC-8BC3-E2F5F56A1655}"/>
               </a:ext>
             </a:extLst>
           </p:cNvPr>
@@ -6123,7 +6201,7 @@
           <p:cNvPr id="3" name="Content Placeholder 2">
             <a:extLst>
               <a:ext uri="{FF2B5EF4-FFF2-40B4-BE49-F238E27FC236}">
-                <a16:creationId xmlns:a16="http://schemas.microsoft.com/office/drawing/2014/main" xmlns="" id="{1D179F0D-235F-45DA-92FE-B13E3046E2E0}"/>
+                <a16:creationId xmlns="" xmlns:a16="http://schemas.microsoft.com/office/drawing/2014/main" id="{1D179F0D-235F-45DA-92FE-B13E3046E2E0}"/>
               </a:ext>
             </a:extLst>
           </p:cNvPr>
@@ -6150,11 +6228,7 @@
             </a:r>
             <a:r>
               <a:rPr lang="en-US" dirty="0" smtClean="0"/>
-              <a:t>ake e</a:t>
-            </a:r>
-            <a:r>
-              <a:rPr lang="en-US" dirty="0" smtClean="0"/>
-              <a:t>asily understandable and adaptable .</a:t>
+              <a:t>ake easily understandable and adaptable .</a:t>
             </a:r>
           </a:p>
           <a:p>
@@ -6207,7 +6281,7 @@
     <a:masterClrMapping/>
   </p:clrMapOvr>
   <mc:AlternateContent xmlns:mc="http://schemas.openxmlformats.org/markup-compatibility/2006">
-    <mc:Choice xmlns:p159="http://schemas.microsoft.com/office/powerpoint/2015/09/main" xmlns="" Requires="p159">
+    <mc:Choice xmlns="" xmlns:p159="http://schemas.microsoft.com/office/powerpoint/2015/09/main" Requires="p159">
       <p:transition xmlns:p14="http://schemas.microsoft.com/office/powerpoint/2010/main" spd="slow" p14:dur="2000">
         <p159:morph option="byObject"/>
       </p:transition>
@@ -6293,6 +6367,18 @@
   <p:clrMapOvr>
     <a:masterClrMapping/>
   </p:clrMapOvr>
+  <mc:AlternateContent xmlns:mc="http://schemas.openxmlformats.org/markup-compatibility/2006">
+    <mc:Choice xmlns:p14="http://schemas.microsoft.com/office/powerpoint/2010/main" Requires="p14">
+      <p:transition spd="med" p14:dur="700">
+        <p:fade/>
+      </p:transition>
+    </mc:Choice>
+    <mc:Fallback>
+      <p:transition spd="med">
+        <p:fade/>
+      </p:transition>
+    </mc:Fallback>
+  </mc:AlternateContent>
   <p:timing>
     <p:tnLst>
       <p:par>
@@ -6325,7 +6411,7 @@
           <p:cNvPr id="2" name="Title 1">
             <a:extLst>
               <a:ext uri="{FF2B5EF4-FFF2-40B4-BE49-F238E27FC236}">
-                <a16:creationId xmlns:a16="http://schemas.microsoft.com/office/drawing/2014/main" xmlns="" id="{5B01DF8D-9076-4FD0-A160-32E761E0E83C}"/>
+                <a16:creationId xmlns="" xmlns:a16="http://schemas.microsoft.com/office/drawing/2014/main" id="{5B01DF8D-9076-4FD0-A160-32E761E0E83C}"/>
               </a:ext>
             </a:extLst>
           </p:cNvPr>
@@ -6357,20 +6443,20 @@
               <a:t>Room </a:t>
             </a:r>
             <a:r>
-              <a:rPr lang="en-US" sz="5400" dirty="0" err="1" smtClean="0">
-                <a:solidFill>
-                  <a:srgbClr val="FFFF00"/>
-                </a:solidFill>
-              </a:rPr>
-              <a:t>raccon</a:t>
-            </a:r>
-            <a:r>
               <a:rPr lang="en-US" sz="5400" dirty="0" smtClean="0">
                 <a:solidFill>
                   <a:srgbClr val="FFFF00"/>
                 </a:solidFill>
               </a:rPr>
-              <a:t> :</a:t>
+              <a:t>raccoon </a:t>
+            </a:r>
+            <a:r>
+              <a:rPr lang="en-US" sz="5400" dirty="0" smtClean="0">
+                <a:solidFill>
+                  <a:srgbClr val="FFFF00"/>
+                </a:solidFill>
+              </a:rPr>
+              <a:t>:</a:t>
             </a:r>
             <a:br>
               <a:rPr lang="en-US" sz="5400" dirty="0" smtClean="0">
@@ -6403,7 +6489,7 @@
           <p:cNvPr id="3" name="Subtitle 2">
             <a:extLst>
               <a:ext uri="{FF2B5EF4-FFF2-40B4-BE49-F238E27FC236}">
-                <a16:creationId xmlns:a16="http://schemas.microsoft.com/office/drawing/2014/main" xmlns="" id="{DE9E6B86-A10E-4A11-85A8-6EE3C65C7032}"/>
+                <a16:creationId xmlns="" xmlns:a16="http://schemas.microsoft.com/office/drawing/2014/main" id="{DE9E6B86-A10E-4A11-85A8-6EE3C65C7032}"/>
               </a:ext>
             </a:extLst>
           </p:cNvPr>
@@ -6464,7 +6550,7 @@
     <a:masterClrMapping/>
   </p:clrMapOvr>
   <mc:AlternateContent xmlns:mc="http://schemas.openxmlformats.org/markup-compatibility/2006">
-    <mc:Choice xmlns:p159="http://schemas.microsoft.com/office/powerpoint/2015/09/main" xmlns="" Requires="p159">
+    <mc:Choice xmlns="" xmlns:p159="http://schemas.microsoft.com/office/powerpoint/2015/09/main" Requires="p159">
       <p:transition xmlns:p14="http://schemas.microsoft.com/office/powerpoint/2010/main" spd="slow" p14:dur="2000">
         <p159:morph option="byObject"/>
       </p:transition>
@@ -6507,7 +6593,7 @@
           <p:cNvPr id="2" name="Title 1">
             <a:extLst>
               <a:ext uri="{FF2B5EF4-FFF2-40B4-BE49-F238E27FC236}">
-                <a16:creationId xmlns:a16="http://schemas.microsoft.com/office/drawing/2014/main" xmlns="" id="{C7F8D05C-49A1-4BFF-BFFF-D75DEAF7A9A1}"/>
+                <a16:creationId xmlns="" xmlns:a16="http://schemas.microsoft.com/office/drawing/2014/main" id="{C7F8D05C-49A1-4BFF-BFFF-D75DEAF7A9A1}"/>
               </a:ext>
             </a:extLst>
           </p:cNvPr>
@@ -6541,7 +6627,7 @@
           <p:cNvPr id="3" name="Content Placeholder 2">
             <a:extLst>
               <a:ext uri="{FF2B5EF4-FFF2-40B4-BE49-F238E27FC236}">
-                <a16:creationId xmlns:a16="http://schemas.microsoft.com/office/drawing/2014/main" xmlns="" id="{5B2221C3-D08D-4AF2-8D33-DF725FCCA1C7}"/>
+                <a16:creationId xmlns="" xmlns:a16="http://schemas.microsoft.com/office/drawing/2014/main" id="{5B2221C3-D08D-4AF2-8D33-DF725FCCA1C7}"/>
               </a:ext>
             </a:extLst>
           </p:cNvPr>
@@ -6642,13 +6728,7 @@
               <a:rPr lang="en-US" sz="3800" dirty="0">
                 <a:effectLst/>
               </a:rPr>
-              <a:t>lists, </a:t>
-            </a:r>
-            <a:r>
-              <a:rPr lang="en-US" sz="3800" dirty="0">
-                <a:effectLst/>
-              </a:rPr>
-              <a:t>working employee, </a:t>
+              <a:t>lists, working employee, </a:t>
             </a:r>
             <a:r>
               <a:rPr lang="en-US" sz="3800" dirty="0" smtClean="0">
@@ -6797,7 +6877,7 @@
     <a:masterClrMapping/>
   </p:clrMapOvr>
   <mc:AlternateContent xmlns:mc="http://schemas.openxmlformats.org/markup-compatibility/2006">
-    <mc:Choice xmlns:p159="http://schemas.microsoft.com/office/powerpoint/2015/09/main" xmlns="" Requires="p159">
+    <mc:Choice xmlns="" xmlns:p159="http://schemas.microsoft.com/office/powerpoint/2015/09/main" Requires="p159">
       <p:transition xmlns:p14="http://schemas.microsoft.com/office/powerpoint/2010/main" spd="slow" p14:dur="2000">
         <p159:morph option="byObject"/>
       </p:transition>
@@ -6840,7 +6920,7 @@
           <p:cNvPr id="2" name="Title 1">
             <a:extLst>
               <a:ext uri="{FF2B5EF4-FFF2-40B4-BE49-F238E27FC236}">
-                <a16:creationId xmlns:a16="http://schemas.microsoft.com/office/drawing/2014/main" xmlns="" id="{A00588AB-798A-46E6-BD12-77520FE32649}"/>
+                <a16:creationId xmlns="" xmlns:a16="http://schemas.microsoft.com/office/drawing/2014/main" id="{0DC45835-AE55-4795-B106-C964BCDE148E}"/>
               </a:ext>
             </a:extLst>
           </p:cNvPr>
@@ -6851,7 +6931,12 @@
             <p:ph type="title"/>
           </p:nvPr>
         </p:nvSpPr>
-        <p:spPr/>
+        <p:spPr>
+          <a:xfrm>
+            <a:off x="913795" y="569844"/>
+            <a:ext cx="10353761" cy="1326321"/>
+          </a:xfrm>
+        </p:spPr>
         <p:txBody>
           <a:bodyPr>
             <a:normAutofit/>
@@ -6859,18 +6944,14 @@
           <a:lstStyle/>
           <a:p>
             <a:r>
-              <a:rPr lang="en-US" sz="4000" dirty="0" smtClean="0">
+              <a:rPr lang="en-US" sz="3600" dirty="0" smtClean="0">
                 <a:solidFill>
                   <a:srgbClr val="FFFF00"/>
                 </a:solidFill>
               </a:rPr>
-              <a:t>Functions</a:t>
-            </a:r>
-            <a:endParaRPr lang="en-US" sz="4000" dirty="0">
-              <a:solidFill>
-                <a:srgbClr val="FFFF00"/>
-              </a:solidFill>
-            </a:endParaRPr>
+              <a:t>motivation</a:t>
+            </a:r>
+            <a:endParaRPr lang="en-US" sz="3600" dirty="0"/>
           </a:p>
         </p:txBody>
       </p:sp>
@@ -6879,7 +6960,7 @@
           <p:cNvPr id="3" name="Content Placeholder 2">
             <a:extLst>
               <a:ext uri="{FF2B5EF4-FFF2-40B4-BE49-F238E27FC236}">
-                <a16:creationId xmlns:a16="http://schemas.microsoft.com/office/drawing/2014/main" xmlns="" id="{46F3FF38-E51D-4503-8ECD-E5A2C03040A5}"/>
+                <a16:creationId xmlns="" xmlns:a16="http://schemas.microsoft.com/office/drawing/2014/main" id="{BC8FE7A9-5E53-4CD4-8614-07BC31C903FB}"/>
               </a:ext>
             </a:extLst>
           </p:cNvPr>
@@ -6892,13 +6973,13 @@
         </p:nvSpPr>
         <p:spPr>
           <a:xfrm>
-            <a:off x="2122316" y="2096064"/>
-            <a:ext cx="3850964" cy="4072993"/>
+            <a:off x="913795" y="1937039"/>
+            <a:ext cx="10353761" cy="4387561"/>
           </a:xfrm>
         </p:spPr>
         <p:txBody>
           <a:bodyPr>
-            <a:normAutofit fontScale="85000" lnSpcReduction="20000"/>
+            <a:normAutofit/>
           </a:bodyPr>
           <a:lstStyle/>
           <a:p>
@@ -6906,223 +6987,25 @@
               <a:buNone/>
             </a:pPr>
             <a:r>
-              <a:rPr lang="en-US" sz="2400" b="1" u="sng" dirty="0" smtClean="0">
-                <a:solidFill>
-                  <a:schemeClr val="accent3">
-                    <a:lumMod val="60000"/>
-                    <a:lumOff val="40000"/>
-                  </a:schemeClr>
-                </a:solidFill>
-                <a:effectLst/>
-              </a:rPr>
-              <a:t>Client:</a:t>
-            </a:r>
-          </a:p>
-          <a:p>
-            <a:r>
-              <a:rPr lang="en-US" sz="2400" dirty="0" smtClean="0">
-                <a:effectLst/>
-              </a:rPr>
-              <a:t>Book room</a:t>
-            </a:r>
-          </a:p>
-          <a:p>
-            <a:r>
-              <a:rPr lang="en-US" sz="2400" dirty="0" smtClean="0">
-                <a:effectLst/>
-              </a:rPr>
-              <a:t>Enroll food-package</a:t>
-            </a:r>
-          </a:p>
-          <a:p>
-            <a:r>
-              <a:rPr lang="en-US" sz="2400" dirty="0" smtClean="0">
-                <a:effectLst/>
-              </a:rPr>
-              <a:t>Change  room</a:t>
-            </a:r>
-          </a:p>
-          <a:p>
-            <a:r>
-              <a:rPr lang="en-US" sz="2400" dirty="0" smtClean="0">
-                <a:effectLst/>
-              </a:rPr>
-              <a:t>Change food-package</a:t>
-            </a:r>
-          </a:p>
-          <a:p>
-            <a:r>
-              <a:rPr lang="en-US" sz="2400" dirty="0" smtClean="0">
-                <a:effectLst/>
-              </a:rPr>
-              <a:t>View current status</a:t>
-            </a:r>
-          </a:p>
-          <a:p>
-            <a:r>
-              <a:rPr lang="en-US" sz="2400" dirty="0" smtClean="0">
-                <a:effectLst/>
-              </a:rPr>
-              <a:t>Change password</a:t>
-            </a:r>
-          </a:p>
-          <a:p>
-            <a:r>
-              <a:rPr lang="en-US" sz="2400" dirty="0" smtClean="0">
-                <a:effectLst/>
-              </a:rPr>
-              <a:t>Check out</a:t>
-            </a:r>
-          </a:p>
-          <a:p>
-            <a:r>
-              <a:rPr lang="en-US" sz="2400" dirty="0">
-                <a:effectLst/>
-              </a:rPr>
-              <a:t>C</a:t>
-            </a:r>
-            <a:r>
-              <a:rPr lang="en-US" sz="2400" dirty="0" smtClean="0">
-                <a:effectLst/>
-              </a:rPr>
-              <a:t>omplaints and suggestions</a:t>
-            </a:r>
-          </a:p>
-          <a:p>
-            <a:pPr marL="0" indent="0">
-              <a:buNone/>
-            </a:pPr>
-            <a:endParaRPr lang="en-US" sz="2400" dirty="0"/>
-          </a:p>
-        </p:txBody>
-      </p:sp>
-      <p:sp>
-        <p:nvSpPr>
-          <p:cNvPr id="4" name="Rectangle 3"/>
-          <p:cNvSpPr/>
-          <p:nvPr/>
-        </p:nvSpPr>
-        <p:spPr>
-          <a:xfrm>
-            <a:off x="6828308" y="2084189"/>
-            <a:ext cx="3790026" cy="3447098"/>
-          </a:xfrm>
-          <a:prstGeom prst="rect">
-            <a:avLst/>
-          </a:prstGeom>
-        </p:spPr>
-        <p:txBody>
-          <a:bodyPr wrap="square">
-            <a:spAutoFit/>
-          </a:bodyPr>
-          <a:lstStyle/>
-          <a:p>
-            <a:pPr>
-              <a:lnSpc>
-                <a:spcPct val="150000"/>
-              </a:lnSpc>
-            </a:pPr>
-            <a:r>
-              <a:rPr lang="en-US" sz="2000" b="1" u="sng" dirty="0" smtClean="0">
-                <a:solidFill>
-                  <a:schemeClr val="accent3">
-                    <a:lumMod val="60000"/>
-                    <a:lumOff val="40000"/>
-                  </a:schemeClr>
-                </a:solidFill>
-              </a:rPr>
-              <a:t>Manager :</a:t>
-            </a:r>
-          </a:p>
-          <a:p>
-            <a:pPr marL="342900" indent="-342900">
-              <a:lnSpc>
-                <a:spcPct val="150000"/>
-              </a:lnSpc>
-              <a:buFont typeface="Arial" panose="020B0604020202020204" pitchFamily="34" charset="0"/>
-              <a:buChar char="•"/>
-            </a:pPr>
-            <a:r>
-              <a:rPr lang="en-US" sz="2000" dirty="0" smtClean="0"/>
-              <a:t>See Client list</a:t>
-            </a:r>
-          </a:p>
-          <a:p>
-            <a:pPr marL="342900" indent="-342900">
-              <a:lnSpc>
-                <a:spcPct val="150000"/>
-              </a:lnSpc>
-              <a:buFont typeface="Arial" panose="020B0604020202020204" pitchFamily="34" charset="0"/>
-              <a:buChar char="•"/>
-            </a:pPr>
-            <a:r>
-              <a:rPr lang="en-US" sz="2000" dirty="0"/>
-              <a:t>S</a:t>
-            </a:r>
-            <a:r>
-              <a:rPr lang="en-US" sz="2000" dirty="0" smtClean="0"/>
-              <a:t>ee Employee list</a:t>
-            </a:r>
-          </a:p>
-          <a:p>
-            <a:pPr marL="342900" indent="-342900">
-              <a:lnSpc>
-                <a:spcPct val="150000"/>
-              </a:lnSpc>
-              <a:buFont typeface="Arial" panose="020B0604020202020204" pitchFamily="34" charset="0"/>
-              <a:buChar char="•"/>
-            </a:pPr>
-            <a:r>
-              <a:rPr lang="en-US" sz="2000" dirty="0" smtClean="0"/>
-              <a:t>See Recorded Clients</a:t>
-            </a:r>
-          </a:p>
-          <a:p>
-            <a:pPr marL="342900" indent="-342900">
-              <a:lnSpc>
-                <a:spcPct val="150000"/>
-              </a:lnSpc>
-              <a:buFont typeface="Arial" panose="020B0604020202020204" pitchFamily="34" charset="0"/>
-              <a:buChar char="•"/>
-            </a:pPr>
-            <a:r>
-              <a:rPr lang="en-US" sz="2000" dirty="0" smtClean="0"/>
-              <a:t>Due check</a:t>
-            </a:r>
-          </a:p>
-          <a:p>
-            <a:pPr marL="342900" indent="-342900">
-              <a:lnSpc>
-                <a:spcPct val="150000"/>
-              </a:lnSpc>
-              <a:buFont typeface="Arial" panose="020B0604020202020204" pitchFamily="34" charset="0"/>
-              <a:buChar char="•"/>
-            </a:pPr>
-            <a:r>
-              <a:rPr lang="en-US" sz="2000" dirty="0" smtClean="0"/>
-              <a:t>Get messages and reviews</a:t>
-            </a:r>
-          </a:p>
-          <a:p>
-            <a:pPr marL="342900" indent="-342900">
-              <a:buFont typeface="Arial" panose="020B0604020202020204" pitchFamily="34" charset="0"/>
-              <a:buChar char="•"/>
-            </a:pPr>
-            <a:endParaRPr lang="en-US" sz="2000" dirty="0" smtClean="0"/>
-          </a:p>
-          <a:p>
-            <a:pPr marL="342900" indent="-342900">
-              <a:buFont typeface="Arial" panose="020B0604020202020204" pitchFamily="34" charset="0"/>
-              <a:buChar char="•"/>
-            </a:pPr>
-            <a:endParaRPr lang="en-US" dirty="0"/>
+              <a:rPr lang="en-US" dirty="0"/>
+              <a:t> </a:t>
+            </a:r>
+            <a:r>
+              <a:rPr lang="en-US" dirty="0" smtClean="0"/>
+              <a:t>      </a:t>
+            </a:r>
+            <a:r>
+              <a:rPr lang="en-US" sz="2200" dirty="0" smtClean="0"/>
+              <a:t>Along with the modernization of the world, in every sector of life is needed to be upgraded . That’s why digitization is needed everywhere . With a view to claiming that, all type of office work is taken under modern machines . Nevertheless, the social organizations are also doing the same . In the management sector of hotel, leaving the pen-paper manual method adapting with digital system is certainly difficult . But to do so, a convenient and user-friendly is needed . That’s the motive of my work . Along with this , the security and privacy of the data is very important . That’s why the matter of encryption-decryption has been initiated . To fulfill and manage the prerequisites of people, this project is being developed.</a:t>
+            </a:r>
+            <a:endParaRPr lang="en-US" sz="2200" dirty="0"/>
           </a:p>
         </p:txBody>
       </p:sp>
     </p:spTree>
     <p:extLst>
       <p:ext uri="{BB962C8B-B14F-4D97-AF65-F5344CB8AC3E}">
-        <p14:creationId xmlns:p14="http://schemas.microsoft.com/office/powerpoint/2010/main" val="1964914723"/>
+        <p14:creationId xmlns:p14="http://schemas.microsoft.com/office/powerpoint/2010/main" val="2457526163"/>
       </p:ext>
     </p:extLst>
   </p:cSld>
@@ -7130,7 +7013,7 @@
     <a:masterClrMapping/>
   </p:clrMapOvr>
   <mc:AlternateContent xmlns:mc="http://schemas.openxmlformats.org/markup-compatibility/2006">
-    <mc:Choice xmlns:p159="http://schemas.microsoft.com/office/powerpoint/2015/09/main" xmlns="" Requires="p159">
+    <mc:Choice xmlns="" xmlns:p159="http://schemas.microsoft.com/office/powerpoint/2015/09/main" Requires="p159">
       <p:transition xmlns:p14="http://schemas.microsoft.com/office/powerpoint/2010/main" spd="slow" p14:dur="2000">
         <p159:morph option="byObject"/>
       </p:transition>
@@ -7173,7 +7056,7 @@
           <p:cNvPr id="2" name="Title 1">
             <a:extLst>
               <a:ext uri="{FF2B5EF4-FFF2-40B4-BE49-F238E27FC236}">
-                <a16:creationId xmlns:a16="http://schemas.microsoft.com/office/drawing/2014/main" xmlns="" id="{7E5B50D7-098F-4297-9B16-A735CA7412FC}"/>
+                <a16:creationId xmlns="" xmlns:a16="http://schemas.microsoft.com/office/drawing/2014/main" id="{A00588AB-798A-46E6-BD12-77520FE32649}"/>
               </a:ext>
             </a:extLst>
           </p:cNvPr>
@@ -7184,25 +7067,22 @@
             <p:ph type="title"/>
           </p:nvPr>
         </p:nvSpPr>
-        <p:spPr>
-          <a:xfrm>
-            <a:off x="940299" y="516836"/>
-            <a:ext cx="10353761" cy="1326321"/>
-          </a:xfrm>
-        </p:spPr>
-        <p:txBody>
-          <a:bodyPr/>
-          <a:lstStyle/>
-          <a:p>
-            <a:r>
-              <a:rPr lang="en-US" sz="3600" dirty="0" smtClean="0">
+        <p:spPr/>
+        <p:txBody>
+          <a:bodyPr>
+            <a:normAutofit/>
+          </a:bodyPr>
+          <a:lstStyle/>
+          <a:p>
+            <a:r>
+              <a:rPr lang="en-US" sz="4000" dirty="0" smtClean="0">
                 <a:solidFill>
                   <a:srgbClr val="FFFF00"/>
                 </a:solidFill>
               </a:rPr>
-              <a:t>Class roadmap</a:t>
-            </a:r>
-            <a:endParaRPr lang="en-US" dirty="0">
+              <a:t>Functions</a:t>
+            </a:r>
+            <a:endParaRPr lang="en-US" sz="4000" dirty="0">
               <a:solidFill>
                 <a:srgbClr val="FFFF00"/>
               </a:solidFill>
@@ -7210,58 +7090,247 @@
           </a:p>
         </p:txBody>
       </p:sp>
-      <p:pic>
-        <p:nvPicPr>
-          <p:cNvPr id="4" name="Content Placeholder 3"/>
-          <p:cNvPicPr>
-            <a:picLocks noGrp="1" noChangeAspect="1"/>
-          </p:cNvPicPr>
+      <p:sp>
+        <p:nvSpPr>
+          <p:cNvPr id="3" name="Content Placeholder 2">
+            <a:extLst>
+              <a:ext uri="{FF2B5EF4-FFF2-40B4-BE49-F238E27FC236}">
+                <a16:creationId xmlns="" xmlns:a16="http://schemas.microsoft.com/office/drawing/2014/main" id="{46F3FF38-E51D-4503-8ECD-E5A2C03040A5}"/>
+              </a:ext>
+            </a:extLst>
+          </p:cNvPr>
+          <p:cNvSpPr>
+            <a:spLocks noGrp="1"/>
+          </p:cNvSpPr>
           <p:nvPr>
             <p:ph idx="1"/>
           </p:nvPr>
-        </p:nvPicPr>
-        <p:blipFill>
-          <a:blip r:embed="rId2"/>
-          <a:stretch>
-            <a:fillRect/>
-          </a:stretch>
-        </p:blipFill>
+        </p:nvSpPr>
         <p:spPr>
           <a:xfrm>
-            <a:off x="5339908" y="2192459"/>
-            <a:ext cx="5954152" cy="3479136"/>
+            <a:off x="2122316" y="2096064"/>
+            <a:ext cx="3850964" cy="4072993"/>
+          </a:xfrm>
+        </p:spPr>
+        <p:txBody>
+          <a:bodyPr>
+            <a:normAutofit fontScale="85000" lnSpcReduction="20000"/>
+          </a:bodyPr>
+          <a:lstStyle/>
+          <a:p>
+            <a:pPr marL="0" indent="0">
+              <a:buNone/>
+            </a:pPr>
+            <a:r>
+              <a:rPr lang="en-US" sz="2400" b="1" u="sng" dirty="0" smtClean="0">
+                <a:solidFill>
+                  <a:schemeClr val="accent3">
+                    <a:lumMod val="60000"/>
+                    <a:lumOff val="40000"/>
+                  </a:schemeClr>
+                </a:solidFill>
+                <a:effectLst/>
+              </a:rPr>
+              <a:t>Client:</a:t>
+            </a:r>
+          </a:p>
+          <a:p>
+            <a:r>
+              <a:rPr lang="en-US" sz="2400" dirty="0" smtClean="0">
+                <a:effectLst/>
+              </a:rPr>
+              <a:t>Book room</a:t>
+            </a:r>
+          </a:p>
+          <a:p>
+            <a:r>
+              <a:rPr lang="en-US" sz="2400" dirty="0" smtClean="0">
+                <a:effectLst/>
+              </a:rPr>
+              <a:t>Enroll food-package</a:t>
+            </a:r>
+          </a:p>
+          <a:p>
+            <a:r>
+              <a:rPr lang="en-US" sz="2400" dirty="0" smtClean="0">
+                <a:effectLst/>
+              </a:rPr>
+              <a:t>Change  room</a:t>
+            </a:r>
+          </a:p>
+          <a:p>
+            <a:r>
+              <a:rPr lang="en-US" sz="2400" dirty="0" smtClean="0">
+                <a:effectLst/>
+              </a:rPr>
+              <a:t>Change food-package</a:t>
+            </a:r>
+          </a:p>
+          <a:p>
+            <a:r>
+              <a:rPr lang="en-US" sz="2400" dirty="0" smtClean="0">
+                <a:effectLst/>
+              </a:rPr>
+              <a:t>View current status</a:t>
+            </a:r>
+          </a:p>
+          <a:p>
+            <a:r>
+              <a:rPr lang="en-US" sz="2400" dirty="0" smtClean="0">
+                <a:effectLst/>
+              </a:rPr>
+              <a:t>Change password</a:t>
+            </a:r>
+          </a:p>
+          <a:p>
+            <a:r>
+              <a:rPr lang="en-US" sz="2400" dirty="0" smtClean="0">
+                <a:effectLst/>
+              </a:rPr>
+              <a:t>Check out</a:t>
+            </a:r>
+          </a:p>
+          <a:p>
+            <a:r>
+              <a:rPr lang="en-US" sz="2400" dirty="0">
+                <a:effectLst/>
+              </a:rPr>
+              <a:t>C</a:t>
+            </a:r>
+            <a:r>
+              <a:rPr lang="en-US" sz="2400" dirty="0" smtClean="0">
+                <a:effectLst/>
+              </a:rPr>
+              <a:t>omplaints and suggestions</a:t>
+            </a:r>
+          </a:p>
+          <a:p>
+            <a:pPr marL="0" indent="0">
+              <a:buNone/>
+            </a:pPr>
+            <a:endParaRPr lang="en-US" sz="2400" dirty="0"/>
+          </a:p>
+        </p:txBody>
+      </p:sp>
+      <p:sp>
+        <p:nvSpPr>
+          <p:cNvPr id="4" name="Rectangle 3"/>
+          <p:cNvSpPr/>
+          <p:nvPr/>
+        </p:nvSpPr>
+        <p:spPr>
+          <a:xfrm>
+            <a:off x="6828308" y="2084189"/>
+            <a:ext cx="3790026" cy="3447098"/>
           </a:xfrm>
           <a:prstGeom prst="rect">
             <a:avLst/>
           </a:prstGeom>
         </p:spPr>
-      </p:pic>
-      <p:sp>
-        <p:nvSpPr>
-          <p:cNvPr id="7" name="TextBox 6"/>
-          <p:cNvSpPr txBox="1"/>
-          <p:nvPr/>
-        </p:nvSpPr>
-        <p:spPr>
-          <a:xfrm>
-            <a:off x="1018573" y="2458683"/>
-            <a:ext cx="3669175" cy="2862322"/>
-          </a:xfrm>
-          <a:prstGeom prst="rect">
-            <a:avLst/>
-          </a:prstGeom>
-          <a:noFill/>
-        </p:spPr>
-        <p:txBody>
-          <a:bodyPr wrap="square" rtlCol="0">
+        <p:txBody>
+          <a:bodyPr wrap="square">
             <a:spAutoFit/>
           </a:bodyPr>
           <a:lstStyle/>
           <a:p>
-            <a:r>
-              <a:rPr lang="en-US" dirty="0" smtClean="0"/>
-              <a:t>	From Main menu the whole control is delivered to hotel class. There are two type of classes to control the flow. The manager class to view from the administration. The Client class to get the services, and for this room and food class is also included in this client class. This is the flow of the command.</a:t>
-            </a:r>
+            <a:pPr>
+              <a:lnSpc>
+                <a:spcPct val="150000"/>
+              </a:lnSpc>
+            </a:pPr>
+            <a:r>
+              <a:rPr lang="en-US" sz="2000" b="1" u="sng" dirty="0" smtClean="0">
+                <a:solidFill>
+                  <a:schemeClr val="accent3">
+                    <a:lumMod val="60000"/>
+                    <a:lumOff val="40000"/>
+                  </a:schemeClr>
+                </a:solidFill>
+              </a:rPr>
+              <a:t>Manager :</a:t>
+            </a:r>
+          </a:p>
+          <a:p>
+            <a:pPr marL="342900" indent="-342900">
+              <a:lnSpc>
+                <a:spcPct val="150000"/>
+              </a:lnSpc>
+              <a:buFont typeface="Arial" panose="020B0604020202020204" pitchFamily="34" charset="0"/>
+              <a:buChar char="•"/>
+            </a:pPr>
+            <a:r>
+              <a:rPr lang="en-US" sz="2000" dirty="0" smtClean="0"/>
+              <a:t>See Client list</a:t>
+            </a:r>
+          </a:p>
+          <a:p>
+            <a:pPr marL="342900" indent="-342900">
+              <a:lnSpc>
+                <a:spcPct val="150000"/>
+              </a:lnSpc>
+              <a:buFont typeface="Arial" panose="020B0604020202020204" pitchFamily="34" charset="0"/>
+              <a:buChar char="•"/>
+            </a:pPr>
+            <a:r>
+              <a:rPr lang="en-US" sz="2000" dirty="0"/>
+              <a:t>S</a:t>
+            </a:r>
+            <a:r>
+              <a:rPr lang="en-US" sz="2000" dirty="0" smtClean="0"/>
+              <a:t>ee Employee list</a:t>
+            </a:r>
+          </a:p>
+          <a:p>
+            <a:pPr marL="342900" indent="-342900">
+              <a:lnSpc>
+                <a:spcPct val="150000"/>
+              </a:lnSpc>
+              <a:buFont typeface="Arial" panose="020B0604020202020204" pitchFamily="34" charset="0"/>
+              <a:buChar char="•"/>
+            </a:pPr>
+            <a:r>
+              <a:rPr lang="en-US" sz="2000" dirty="0" smtClean="0"/>
+              <a:t>See Recorded Clients</a:t>
+            </a:r>
+          </a:p>
+          <a:p>
+            <a:pPr marL="342900" indent="-342900">
+              <a:lnSpc>
+                <a:spcPct val="150000"/>
+              </a:lnSpc>
+              <a:buFont typeface="Arial" panose="020B0604020202020204" pitchFamily="34" charset="0"/>
+              <a:buChar char="•"/>
+            </a:pPr>
+            <a:r>
+              <a:rPr lang="en-US" sz="2000" dirty="0" smtClean="0"/>
+              <a:t>Due check</a:t>
+            </a:r>
+          </a:p>
+          <a:p>
+            <a:pPr marL="342900" indent="-342900">
+              <a:lnSpc>
+                <a:spcPct val="150000"/>
+              </a:lnSpc>
+              <a:buFont typeface="Arial" panose="020B0604020202020204" pitchFamily="34" charset="0"/>
+              <a:buChar char="•"/>
+            </a:pPr>
+            <a:r>
+              <a:rPr lang="en-US" sz="2000" dirty="0" smtClean="0"/>
+              <a:t>Get messages and reviews</a:t>
+            </a:r>
+          </a:p>
+          <a:p>
+            <a:pPr marL="342900" indent="-342900">
+              <a:buFont typeface="Arial" panose="020B0604020202020204" pitchFamily="34" charset="0"/>
+              <a:buChar char="•"/>
+            </a:pPr>
+            <a:endParaRPr lang="en-US" sz="2000" dirty="0" smtClean="0"/>
+          </a:p>
+          <a:p>
+            <a:pPr marL="342900" indent="-342900">
+              <a:buFont typeface="Arial" panose="020B0604020202020204" pitchFamily="34" charset="0"/>
+              <a:buChar char="•"/>
+            </a:pPr>
             <a:endParaRPr lang="en-US" dirty="0"/>
           </a:p>
         </p:txBody>
@@ -7269,7 +7338,7 @@
     </p:spTree>
     <p:extLst>
       <p:ext uri="{BB962C8B-B14F-4D97-AF65-F5344CB8AC3E}">
-        <p14:creationId xmlns:p14="http://schemas.microsoft.com/office/powerpoint/2010/main" val="398234265"/>
+        <p14:creationId xmlns:p14="http://schemas.microsoft.com/office/powerpoint/2010/main" val="1964914723"/>
       </p:ext>
     </p:extLst>
   </p:cSld>
@@ -7277,7 +7346,7 @@
     <a:masterClrMapping/>
   </p:clrMapOvr>
   <mc:AlternateContent xmlns:mc="http://schemas.openxmlformats.org/markup-compatibility/2006">
-    <mc:Choice xmlns:p159="http://schemas.microsoft.com/office/powerpoint/2015/09/main" xmlns="" Requires="p159">
+    <mc:Choice xmlns="" xmlns:p159="http://schemas.microsoft.com/office/powerpoint/2015/09/main" Requires="p159">
       <p:transition xmlns:p14="http://schemas.microsoft.com/office/powerpoint/2010/main" spd="slow" p14:dur="2000">
         <p159:morph option="byObject"/>
       </p:transition>
@@ -7301,6 +7370,28 @@
 <file path=ppt/slides/slide6.xml><?xml version="1.0" encoding="utf-8"?>
 <p:sld xmlns:a="http://schemas.openxmlformats.org/drawingml/2006/main" xmlns:r="http://schemas.openxmlformats.org/officeDocument/2006/relationships" xmlns:p="http://schemas.openxmlformats.org/presentationml/2006/main">
   <p:cSld>
+    <p:bg>
+      <p:bgPr>
+        <a:blipFill rotWithShape="1">
+          <a:blip r:embed="rId2">
+            <a:duotone>
+              <a:schemeClr val="bg2">
+                <a:shade val="18000"/>
+                <a:satMod val="160000"/>
+                <a:lumMod val="28000"/>
+              </a:schemeClr>
+              <a:schemeClr val="bg2">
+                <a:tint val="95000"/>
+                <a:satMod val="160000"/>
+                <a:lumMod val="116000"/>
+              </a:schemeClr>
+            </a:duotone>
+          </a:blip>
+          <a:stretch/>
+        </a:blipFill>
+        <a:effectLst/>
+      </p:bgPr>
+    </p:bg>
     <p:spTree>
       <p:nvGrpSpPr>
         <p:cNvPr id="1" name=""/>
@@ -7320,7 +7411,7 @@
           <p:cNvPr id="2" name="Title 1">
             <a:extLst>
               <a:ext uri="{FF2B5EF4-FFF2-40B4-BE49-F238E27FC236}">
-                <a16:creationId xmlns:a16="http://schemas.microsoft.com/office/drawing/2014/main" xmlns="" id="{0E58DF31-292D-4E3A-9D8B-EF997AFE2394}"/>
+                <a16:creationId xmlns="" xmlns:a16="http://schemas.microsoft.com/office/drawing/2014/main" id="{7E5B50D7-098F-4297-9B16-A735CA7412FC}"/>
               </a:ext>
             </a:extLst>
           </p:cNvPr>
@@ -7333,202 +7424,90 @@
         </p:nvSpPr>
         <p:spPr>
           <a:xfrm>
-            <a:off x="900543" y="475977"/>
-            <a:ext cx="10353761" cy="982434"/>
+            <a:off x="940299" y="516836"/>
+            <a:ext cx="10353761" cy="1326321"/>
           </a:xfrm>
         </p:spPr>
         <p:txBody>
-          <a:bodyPr>
-            <a:normAutofit/>
-          </a:bodyPr>
-          <a:lstStyle/>
-          <a:p>
-            <a:r>
-              <a:rPr lang="en-US" sz="3600" b="1" dirty="0" smtClean="0">
+          <a:bodyPr/>
+          <a:lstStyle/>
+          <a:p>
+            <a:r>
+              <a:rPr lang="en-US" sz="3600" dirty="0" smtClean="0">
                 <a:solidFill>
                   <a:srgbClr val="FFFF00"/>
                 </a:solidFill>
               </a:rPr>
-              <a:t>Implemented topics</a:t>
-            </a:r>
-            <a:endParaRPr lang="en-US" sz="3600" dirty="0"/>
-          </a:p>
-        </p:txBody>
-      </p:sp>
-      <p:sp>
-        <p:nvSpPr>
-          <p:cNvPr id="3" name="Content Placeholder 2">
-            <a:extLst>
-              <a:ext uri="{FF2B5EF4-FFF2-40B4-BE49-F238E27FC236}">
-                <a16:creationId xmlns:a16="http://schemas.microsoft.com/office/drawing/2014/main" xmlns="" id="{6F96A6F9-6604-40E6-8862-32A39595FEBA}"/>
-              </a:ext>
-            </a:extLst>
-          </p:cNvPr>
-          <p:cNvSpPr>
-            <a:spLocks noGrp="1"/>
-          </p:cNvSpPr>
+              <a:t>Class roadmap</a:t>
+            </a:r>
+            <a:endParaRPr lang="en-US" dirty="0">
+              <a:solidFill>
+                <a:srgbClr val="FFFF00"/>
+              </a:solidFill>
+            </a:endParaRPr>
+          </a:p>
+        </p:txBody>
+      </p:sp>
+      <p:pic>
+        <p:nvPicPr>
+          <p:cNvPr id="4" name="Content Placeholder 3"/>
+          <p:cNvPicPr>
+            <a:picLocks noGrp="1" noChangeAspect="1"/>
+          </p:cNvPicPr>
           <p:nvPr>
             <p:ph idx="1"/>
           </p:nvPr>
-        </p:nvSpPr>
+        </p:nvPicPr>
+        <p:blipFill>
+          <a:blip r:embed="rId3"/>
+          <a:stretch>
+            <a:fillRect/>
+          </a:stretch>
+        </p:blipFill>
         <p:spPr>
           <a:xfrm>
-            <a:off x="524763" y="1908312"/>
-            <a:ext cx="11131826" cy="4517887"/>
+            <a:off x="5339908" y="2192459"/>
+            <a:ext cx="5954152" cy="3479136"/>
           </a:xfrm>
+          <a:prstGeom prst="rect">
+            <a:avLst/>
+          </a:prstGeom>
         </p:spPr>
-        <p:txBody>
-          <a:bodyPr>
-            <a:normAutofit fontScale="92500" lnSpcReduction="10000"/>
+      </p:pic>
+      <p:sp>
+        <p:nvSpPr>
+          <p:cNvPr id="7" name="TextBox 6"/>
+          <p:cNvSpPr txBox="1"/>
+          <p:nvPr/>
+        </p:nvSpPr>
+        <p:spPr>
+          <a:xfrm>
+            <a:off x="1018573" y="2458683"/>
+            <a:ext cx="3669175" cy="2862322"/>
+          </a:xfrm>
+          <a:prstGeom prst="rect">
+            <a:avLst/>
+          </a:prstGeom>
+          <a:noFill/>
+        </p:spPr>
+        <p:txBody>
+          <a:bodyPr wrap="square" rtlCol="0">
+            <a:spAutoFit/>
           </a:bodyPr>
           <a:lstStyle/>
           <a:p>
-            <a:pPr lvl="0">
-              <a:buFont typeface="Wingdings" panose="05000000000000000000" pitchFamily="2" charset="2"/>
-              <a:buChar char="ü"/>
-            </a:pPr>
-            <a:r>
-              <a:rPr lang="en-US" sz="2400" dirty="0">
-                <a:effectLst/>
-              </a:rPr>
-              <a:t> 	</a:t>
-            </a:r>
-            <a:r>
-              <a:rPr lang="en-US" sz="2100" dirty="0">
-                <a:effectLst/>
-              </a:rPr>
-              <a:t>File read, write and append.</a:t>
-            </a:r>
-          </a:p>
-          <a:p>
-            <a:pPr lvl="0">
-              <a:buFont typeface="Wingdings" panose="05000000000000000000" pitchFamily="2" charset="2"/>
-              <a:buChar char="ü"/>
-            </a:pPr>
-            <a:r>
-              <a:rPr lang="en-US" sz="2100" dirty="0">
-                <a:effectLst/>
-              </a:rPr>
-              <a:t> 	Object creation and manipulation.</a:t>
-            </a:r>
-          </a:p>
-          <a:p>
-            <a:pPr lvl="0">
-              <a:buFont typeface="Wingdings" panose="05000000000000000000" pitchFamily="2" charset="2"/>
-              <a:buChar char="ü"/>
-            </a:pPr>
-            <a:r>
-              <a:rPr lang="en-US" sz="2100" dirty="0">
-                <a:effectLst/>
-              </a:rPr>
-              <a:t> 	Vector and list</a:t>
-            </a:r>
-          </a:p>
-          <a:p>
-            <a:pPr lvl="0">
-              <a:buFont typeface="Wingdings" panose="05000000000000000000" pitchFamily="2" charset="2"/>
-              <a:buChar char="ü"/>
-            </a:pPr>
-            <a:r>
-              <a:rPr lang="en-US" sz="2100" dirty="0">
-                <a:effectLst/>
-              </a:rPr>
-              <a:t> 	Structure based work</a:t>
-            </a:r>
-          </a:p>
-          <a:p>
-            <a:pPr lvl="0"/>
-            <a:r>
-              <a:rPr lang="en-US" sz="2100" dirty="0">
-                <a:effectLst/>
-              </a:rPr>
-              <a:t> 	Sorting algorithm</a:t>
-            </a:r>
-          </a:p>
-          <a:p>
-            <a:pPr lvl="0"/>
-            <a:r>
-              <a:rPr lang="en-US" sz="2100" dirty="0">
-                <a:effectLst/>
-              </a:rPr>
-              <a:t> 	Encryption-decryption</a:t>
-            </a:r>
-          </a:p>
-          <a:p>
-            <a:pPr lvl="0">
-              <a:buFont typeface="Wingdings" panose="05000000000000000000" pitchFamily="2" charset="2"/>
-              <a:buChar char="ü"/>
-            </a:pPr>
-            <a:r>
-              <a:rPr lang="en-US" sz="2100" dirty="0">
-                <a:effectLst/>
-              </a:rPr>
-              <a:t> 	Data preservation</a:t>
-            </a:r>
-          </a:p>
-          <a:p>
-            <a:pPr lvl="0">
-              <a:buFont typeface="Wingdings" panose="05000000000000000000" pitchFamily="2" charset="2"/>
-              <a:buChar char="ü"/>
-            </a:pPr>
-            <a:r>
-              <a:rPr lang="en-US" sz="2100" dirty="0">
-                <a:effectLst/>
-              </a:rPr>
-              <a:t> 	Menu bar management</a:t>
-            </a:r>
-          </a:p>
-          <a:p>
-            <a:pPr lvl="0"/>
-            <a:r>
-              <a:rPr lang="en-US" sz="2100" dirty="0">
-                <a:effectLst/>
-              </a:rPr>
-              <a:t> 	Mathematical function </a:t>
-            </a:r>
-            <a:r>
-              <a:rPr lang="en-US" sz="2100" dirty="0" smtClean="0">
-                <a:effectLst/>
-              </a:rPr>
-              <a:t>usage</a:t>
-            </a:r>
-          </a:p>
-          <a:p>
-            <a:pPr lvl="0">
-              <a:buFont typeface="Wingdings" panose="05000000000000000000" pitchFamily="2" charset="2"/>
-              <a:buChar char="ü"/>
-            </a:pPr>
-            <a:r>
-              <a:rPr lang="en-US" sz="2100" dirty="0">
-                <a:effectLst/>
-              </a:rPr>
-              <a:t> </a:t>
-            </a:r>
-            <a:r>
-              <a:rPr lang="en-US" sz="2100" dirty="0" smtClean="0">
-                <a:effectLst/>
-              </a:rPr>
-              <a:t>          Header </a:t>
-            </a:r>
-            <a:r>
-              <a:rPr lang="en-US" sz="2100" dirty="0">
-                <a:effectLst/>
-              </a:rPr>
-              <a:t>file inclusion</a:t>
-            </a:r>
-          </a:p>
-          <a:p>
-            <a:pPr lvl="0"/>
-            <a:endParaRPr lang="en-US" sz="2400" dirty="0">
-              <a:effectLst/>
-            </a:endParaRPr>
+            <a:r>
+              <a:rPr lang="en-US" dirty="0" smtClean="0"/>
+              <a:t>	From Main menu the whole control is delivered to hotel class. There are two type of classes to control the flow. The manager class to view from the administration. The Client class to get the services, and for this room and food class is also included in this client class. This is the flow of the command.</a:t>
+            </a:r>
+            <a:endParaRPr lang="en-US" dirty="0"/>
           </a:p>
         </p:txBody>
       </p:sp>
     </p:spTree>
     <p:extLst>
       <p:ext uri="{BB962C8B-B14F-4D97-AF65-F5344CB8AC3E}">
-        <p14:creationId xmlns:p14="http://schemas.microsoft.com/office/powerpoint/2010/main" val="3402710334"/>
+        <p14:creationId xmlns:p14="http://schemas.microsoft.com/office/powerpoint/2010/main" val="398234265"/>
       </p:ext>
     </p:extLst>
   </p:cSld>
@@ -7536,7 +7515,7 @@
     <a:masterClrMapping/>
   </p:clrMapOvr>
   <mc:AlternateContent xmlns:mc="http://schemas.openxmlformats.org/markup-compatibility/2006">
-    <mc:Choice xmlns:p159="http://schemas.microsoft.com/office/powerpoint/2015/09/main" xmlns="" Requires="p159">
+    <mc:Choice xmlns="" xmlns:p159="http://schemas.microsoft.com/office/powerpoint/2015/09/main" Requires="p159">
       <p:transition xmlns:p14="http://schemas.microsoft.com/office/powerpoint/2010/main" spd="slow" p14:dur="2000">
         <p159:morph option="byObject"/>
       </p:transition>
@@ -7574,38 +7553,12 @@
           <a:chExt cx="0" cy="0"/>
         </a:xfrm>
       </p:grpSpPr>
-      <p:pic>
-        <p:nvPicPr>
-          <p:cNvPr id="2" name="Content Placeholder 1"/>
-          <p:cNvPicPr>
-            <a:picLocks noGrp="1" noChangeAspect="1"/>
-          </p:cNvPicPr>
-          <p:nvPr>
-            <p:ph idx="1"/>
-          </p:nvPr>
-        </p:nvPicPr>
-        <p:blipFill>
-          <a:blip r:embed="rId2"/>
-          <a:stretch>
-            <a:fillRect/>
-          </a:stretch>
-        </p:blipFill>
-        <p:spPr>
-          <a:xfrm>
-            <a:off x="1185835" y="2292857"/>
-            <a:ext cx="4267796" cy="3248478"/>
-          </a:xfrm>
-          <a:prstGeom prst="rect">
-            <a:avLst/>
-          </a:prstGeom>
-        </p:spPr>
-      </p:pic>
-      <p:sp>
-        <p:nvSpPr>
-          <p:cNvPr id="4" name="Title 1">
+      <p:sp>
+        <p:nvSpPr>
+          <p:cNvPr id="2" name="Title 1">
             <a:extLst>
               <a:ext uri="{FF2B5EF4-FFF2-40B4-BE49-F238E27FC236}">
-                <a16:creationId xmlns:a16="http://schemas.microsoft.com/office/drawing/2014/main" xmlns="" id="{6A1B17F6-080C-46E5-A60E-63C711097290}"/>
+                <a16:creationId xmlns="" xmlns:a16="http://schemas.microsoft.com/office/drawing/2014/main" id="{0E58DF31-292D-4E3A-9D8B-EF997AFE2394}"/>
               </a:ext>
             </a:extLst>
           </p:cNvPr>
@@ -7618,54 +7571,202 @@
         </p:nvSpPr>
         <p:spPr>
           <a:xfrm>
-            <a:off x="905910" y="477080"/>
-            <a:ext cx="10353675" cy="1325563"/>
+            <a:off x="900543" y="475977"/>
+            <a:ext cx="10353761" cy="982434"/>
           </a:xfrm>
         </p:spPr>
         <p:txBody>
-          <a:bodyPr/>
-          <a:lstStyle/>
-          <a:p>
-            <a:r>
-              <a:rPr lang="en-US" sz="3600" dirty="0" smtClean="0">
+          <a:bodyPr>
+            <a:normAutofit/>
+          </a:bodyPr>
+          <a:lstStyle/>
+          <a:p>
+            <a:r>
+              <a:rPr lang="en-US" sz="3600" b="1" dirty="0" smtClean="0">
                 <a:solidFill>
                   <a:srgbClr val="FFFF00"/>
                 </a:solidFill>
               </a:rPr>
-              <a:t>Some glimpses of control flow</a:t>
-            </a:r>
-            <a:endParaRPr lang="en-US" dirty="0"/>
-          </a:p>
-        </p:txBody>
-      </p:sp>
-      <p:pic>
-        <p:nvPicPr>
-          <p:cNvPr id="6" name="Picture 5"/>
-          <p:cNvPicPr>
-            <a:picLocks noChangeAspect="1"/>
-          </p:cNvPicPr>
-          <p:nvPr/>
-        </p:nvPicPr>
-        <p:blipFill>
-          <a:blip r:embed="rId3"/>
-          <a:stretch>
-            <a:fillRect/>
-          </a:stretch>
-        </p:blipFill>
+              <a:t>Implemented topics</a:t>
+            </a:r>
+            <a:endParaRPr lang="en-US" sz="3600" dirty="0"/>
+          </a:p>
+        </p:txBody>
+      </p:sp>
+      <p:sp>
+        <p:nvSpPr>
+          <p:cNvPr id="3" name="Content Placeholder 2">
+            <a:extLst>
+              <a:ext uri="{FF2B5EF4-FFF2-40B4-BE49-F238E27FC236}">
+                <a16:creationId xmlns="" xmlns:a16="http://schemas.microsoft.com/office/drawing/2014/main" id="{6F96A6F9-6604-40E6-8862-32A39595FEBA}"/>
+              </a:ext>
+            </a:extLst>
+          </p:cNvPr>
+          <p:cNvSpPr>
+            <a:spLocks noGrp="1"/>
+          </p:cNvSpPr>
+          <p:nvPr>
+            <p:ph idx="1"/>
+          </p:nvPr>
+        </p:nvSpPr>
         <p:spPr>
           <a:xfrm>
-            <a:off x="6417965" y="1545870"/>
-            <a:ext cx="4258269" cy="5087060"/>
+            <a:off x="524763" y="1908312"/>
+            <a:ext cx="11131826" cy="4517887"/>
           </a:xfrm>
-          <a:prstGeom prst="rect">
-            <a:avLst/>
-          </a:prstGeom>
         </p:spPr>
-      </p:pic>
+        <p:txBody>
+          <a:bodyPr>
+            <a:normAutofit fontScale="92500" lnSpcReduction="10000"/>
+          </a:bodyPr>
+          <a:lstStyle/>
+          <a:p>
+            <a:pPr lvl="0">
+              <a:buFont typeface="Wingdings" panose="05000000000000000000" pitchFamily="2" charset="2"/>
+              <a:buChar char="ü"/>
+            </a:pPr>
+            <a:r>
+              <a:rPr lang="en-US" sz="2400" dirty="0">
+                <a:effectLst/>
+              </a:rPr>
+              <a:t> 	</a:t>
+            </a:r>
+            <a:r>
+              <a:rPr lang="en-US" sz="2100" dirty="0">
+                <a:effectLst/>
+              </a:rPr>
+              <a:t>File read, write and append.</a:t>
+            </a:r>
+          </a:p>
+          <a:p>
+            <a:pPr lvl="0">
+              <a:buFont typeface="Wingdings" panose="05000000000000000000" pitchFamily="2" charset="2"/>
+              <a:buChar char="ü"/>
+            </a:pPr>
+            <a:r>
+              <a:rPr lang="en-US" sz="2100" dirty="0">
+                <a:effectLst/>
+              </a:rPr>
+              <a:t> 	Object creation and manipulation.</a:t>
+            </a:r>
+          </a:p>
+          <a:p>
+            <a:pPr lvl="0">
+              <a:buFont typeface="Wingdings" panose="05000000000000000000" pitchFamily="2" charset="2"/>
+              <a:buChar char="ü"/>
+            </a:pPr>
+            <a:r>
+              <a:rPr lang="en-US" sz="2100" dirty="0">
+                <a:effectLst/>
+              </a:rPr>
+              <a:t> 	Vector and list</a:t>
+            </a:r>
+          </a:p>
+          <a:p>
+            <a:pPr lvl="0">
+              <a:buFont typeface="Wingdings" panose="05000000000000000000" pitchFamily="2" charset="2"/>
+              <a:buChar char="ü"/>
+            </a:pPr>
+            <a:r>
+              <a:rPr lang="en-US" sz="2100" dirty="0">
+                <a:effectLst/>
+              </a:rPr>
+              <a:t> 	Structure based work</a:t>
+            </a:r>
+          </a:p>
+          <a:p>
+            <a:pPr lvl="0"/>
+            <a:r>
+              <a:rPr lang="en-US" sz="2100" dirty="0">
+                <a:effectLst/>
+              </a:rPr>
+              <a:t> 	Sorting algorithm</a:t>
+            </a:r>
+          </a:p>
+          <a:p>
+            <a:pPr lvl="0"/>
+            <a:r>
+              <a:rPr lang="en-US" sz="2100" dirty="0">
+                <a:effectLst/>
+              </a:rPr>
+              <a:t> 	Encryption-decryption</a:t>
+            </a:r>
+          </a:p>
+          <a:p>
+            <a:pPr lvl="0">
+              <a:buFont typeface="Wingdings" panose="05000000000000000000" pitchFamily="2" charset="2"/>
+              <a:buChar char="ü"/>
+            </a:pPr>
+            <a:r>
+              <a:rPr lang="en-US" sz="2100" dirty="0">
+                <a:effectLst/>
+              </a:rPr>
+              <a:t> 	Data preservation</a:t>
+            </a:r>
+          </a:p>
+          <a:p>
+            <a:pPr lvl="0">
+              <a:buFont typeface="Wingdings" panose="05000000000000000000" pitchFamily="2" charset="2"/>
+              <a:buChar char="ü"/>
+            </a:pPr>
+            <a:r>
+              <a:rPr lang="en-US" sz="2100" dirty="0">
+                <a:effectLst/>
+              </a:rPr>
+              <a:t> 	Menu bar management</a:t>
+            </a:r>
+          </a:p>
+          <a:p>
+            <a:pPr lvl="0"/>
+            <a:r>
+              <a:rPr lang="en-US" sz="2100" dirty="0">
+                <a:effectLst/>
+              </a:rPr>
+              <a:t> 	Mathematical function </a:t>
+            </a:r>
+            <a:r>
+              <a:rPr lang="en-US" sz="2100" dirty="0" smtClean="0">
+                <a:effectLst/>
+              </a:rPr>
+              <a:t>usage</a:t>
+            </a:r>
+          </a:p>
+          <a:p>
+            <a:pPr lvl="0">
+              <a:buFont typeface="Wingdings" panose="05000000000000000000" pitchFamily="2" charset="2"/>
+              <a:buChar char="ü"/>
+            </a:pPr>
+            <a:r>
+              <a:rPr lang="en-US" sz="2100" dirty="0">
+                <a:effectLst/>
+              </a:rPr>
+              <a:t> </a:t>
+            </a:r>
+            <a:r>
+              <a:rPr lang="en-US" sz="2100" dirty="0" smtClean="0">
+                <a:effectLst/>
+              </a:rPr>
+              <a:t>          Header </a:t>
+            </a:r>
+            <a:r>
+              <a:rPr lang="en-US" sz="2100" dirty="0">
+                <a:effectLst/>
+              </a:rPr>
+              <a:t>file inclusion</a:t>
+            </a:r>
+          </a:p>
+          <a:p>
+            <a:pPr lvl="0"/>
+            <a:endParaRPr lang="en-US" sz="2400" dirty="0">
+              <a:effectLst/>
+            </a:endParaRPr>
+          </a:p>
+        </p:txBody>
+      </p:sp>
     </p:spTree>
     <p:extLst>
       <p:ext uri="{BB962C8B-B14F-4D97-AF65-F5344CB8AC3E}">
-        <p14:creationId xmlns:p14="http://schemas.microsoft.com/office/powerpoint/2010/main" val="2021882192"/>
+        <p14:creationId xmlns:p14="http://schemas.microsoft.com/office/powerpoint/2010/main" val="3402710334"/>
       </p:ext>
     </p:extLst>
   </p:cSld>
@@ -7673,7 +7774,7 @@
     <a:masterClrMapping/>
   </p:clrMapOvr>
   <mc:AlternateContent xmlns:mc="http://schemas.openxmlformats.org/markup-compatibility/2006">
-    <mc:Choice xmlns:p159="http://schemas.microsoft.com/office/powerpoint/2015/09/main" xmlns="" Requires="p159">
+    <mc:Choice xmlns="" xmlns:p159="http://schemas.microsoft.com/office/powerpoint/2015/09/main" Requires="p159">
       <p:transition xmlns:p14="http://schemas.microsoft.com/office/powerpoint/2010/main" spd="slow" p14:dur="2000">
         <p159:morph option="byObject"/>
       </p:transition>
@@ -7711,12 +7812,149 @@
           <a:chExt cx="0" cy="0"/>
         </a:xfrm>
       </p:grpSpPr>
+      <p:pic>
+        <p:nvPicPr>
+          <p:cNvPr id="2" name="Content Placeholder 1"/>
+          <p:cNvPicPr>
+            <a:picLocks noGrp="1" noChangeAspect="1"/>
+          </p:cNvPicPr>
+          <p:nvPr>
+            <p:ph idx="1"/>
+          </p:nvPr>
+        </p:nvPicPr>
+        <p:blipFill>
+          <a:blip r:embed="rId2"/>
+          <a:stretch>
+            <a:fillRect/>
+          </a:stretch>
+        </p:blipFill>
+        <p:spPr>
+          <a:xfrm>
+            <a:off x="1185835" y="2292857"/>
+            <a:ext cx="4267796" cy="3248478"/>
+          </a:xfrm>
+          <a:prstGeom prst="rect">
+            <a:avLst/>
+          </a:prstGeom>
+        </p:spPr>
+      </p:pic>
+      <p:sp>
+        <p:nvSpPr>
+          <p:cNvPr id="4" name="Title 1">
+            <a:extLst>
+              <a:ext uri="{FF2B5EF4-FFF2-40B4-BE49-F238E27FC236}">
+                <a16:creationId xmlns="" xmlns:a16="http://schemas.microsoft.com/office/drawing/2014/main" id="{6A1B17F6-080C-46E5-A60E-63C711097290}"/>
+              </a:ext>
+            </a:extLst>
+          </p:cNvPr>
+          <p:cNvSpPr>
+            <a:spLocks noGrp="1"/>
+          </p:cNvSpPr>
+          <p:nvPr>
+            <p:ph type="title"/>
+          </p:nvPr>
+        </p:nvSpPr>
+        <p:spPr>
+          <a:xfrm>
+            <a:off x="905910" y="477080"/>
+            <a:ext cx="10353675" cy="1325563"/>
+          </a:xfrm>
+        </p:spPr>
+        <p:txBody>
+          <a:bodyPr/>
+          <a:lstStyle/>
+          <a:p>
+            <a:r>
+              <a:rPr lang="en-US" sz="3600" dirty="0" smtClean="0">
+                <a:solidFill>
+                  <a:srgbClr val="FFFF00"/>
+                </a:solidFill>
+              </a:rPr>
+              <a:t>Some glimpses of control flow</a:t>
+            </a:r>
+            <a:endParaRPr lang="en-US" dirty="0"/>
+          </a:p>
+        </p:txBody>
+      </p:sp>
+      <p:pic>
+        <p:nvPicPr>
+          <p:cNvPr id="6" name="Picture 5"/>
+          <p:cNvPicPr>
+            <a:picLocks noChangeAspect="1"/>
+          </p:cNvPicPr>
+          <p:nvPr/>
+        </p:nvPicPr>
+        <p:blipFill>
+          <a:blip r:embed="rId3"/>
+          <a:stretch>
+            <a:fillRect/>
+          </a:stretch>
+        </p:blipFill>
+        <p:spPr>
+          <a:xfrm>
+            <a:off x="6417965" y="1545870"/>
+            <a:ext cx="4258269" cy="5087060"/>
+          </a:xfrm>
+          <a:prstGeom prst="rect">
+            <a:avLst/>
+          </a:prstGeom>
+        </p:spPr>
+      </p:pic>
+    </p:spTree>
+    <p:extLst>
+      <p:ext uri="{BB962C8B-B14F-4D97-AF65-F5344CB8AC3E}">
+        <p14:creationId xmlns:p14="http://schemas.microsoft.com/office/powerpoint/2010/main" val="2021882192"/>
+      </p:ext>
+    </p:extLst>
+  </p:cSld>
+  <p:clrMapOvr>
+    <a:masterClrMapping/>
+  </p:clrMapOvr>
+  <mc:AlternateContent xmlns:mc="http://schemas.openxmlformats.org/markup-compatibility/2006">
+    <mc:Choice xmlns="" xmlns:p159="http://schemas.microsoft.com/office/powerpoint/2015/09/main" Requires="p159">
+      <p:transition xmlns:p14="http://schemas.microsoft.com/office/powerpoint/2010/main" spd="slow" p14:dur="2000">
+        <p159:morph option="byObject"/>
+      </p:transition>
+    </mc:Choice>
+    <mc:Fallback>
+      <p:transition spd="slow">
+        <p:fade/>
+      </p:transition>
+    </mc:Fallback>
+  </mc:AlternateContent>
+  <p:timing>
+    <p:tnLst>
+      <p:par>
+        <p:cTn id="1" dur="indefinite" restart="never" nodeType="tmRoot"/>
+      </p:par>
+    </p:tnLst>
+  </p:timing>
+</p:sld>
+</file>
+
+<file path=ppt/slides/slide9.xml><?xml version="1.0" encoding="utf-8"?>
+<p:sld xmlns:a="http://schemas.openxmlformats.org/drawingml/2006/main" xmlns:r="http://schemas.openxmlformats.org/officeDocument/2006/relationships" xmlns:p="http://schemas.openxmlformats.org/presentationml/2006/main">
+  <p:cSld>
+    <p:spTree>
+      <p:nvGrpSpPr>
+        <p:cNvPr id="1" name=""/>
+        <p:cNvGrpSpPr/>
+        <p:nvPr/>
+      </p:nvGrpSpPr>
+      <p:grpSpPr>
+        <a:xfrm>
+          <a:off x="0" y="0"/>
+          <a:ext cx="0" cy="0"/>
+          <a:chOff x="0" y="0"/>
+          <a:chExt cx="0" cy="0"/>
+        </a:xfrm>
+      </p:grpSpPr>
       <p:sp>
         <p:nvSpPr>
           <p:cNvPr id="2" name="Title 1">
             <a:extLst>
               <a:ext uri="{FF2B5EF4-FFF2-40B4-BE49-F238E27FC236}">
-                <a16:creationId xmlns:a16="http://schemas.microsoft.com/office/drawing/2014/main" xmlns="" id="{74FD574B-BDD0-41B8-AB2A-D6CB0C4D7DFA}"/>
+                <a16:creationId xmlns="" xmlns:a16="http://schemas.microsoft.com/office/drawing/2014/main" id="{74FD574B-BDD0-41B8-AB2A-D6CB0C4D7DFA}"/>
               </a:ext>
             </a:extLst>
           </p:cNvPr>
@@ -7838,143 +8076,7 @@
     <a:masterClrMapping/>
   </p:clrMapOvr>
   <mc:AlternateContent xmlns:mc="http://schemas.openxmlformats.org/markup-compatibility/2006">
-    <mc:Choice xmlns:p159="http://schemas.microsoft.com/office/powerpoint/2015/09/main" xmlns="" Requires="p159">
-      <p:transition xmlns:p14="http://schemas.microsoft.com/office/powerpoint/2010/main" spd="slow" p14:dur="2000">
-        <p159:morph option="byObject"/>
-      </p:transition>
-    </mc:Choice>
-    <mc:Fallback>
-      <p:transition spd="slow">
-        <p:fade/>
-      </p:transition>
-    </mc:Fallback>
-  </mc:AlternateContent>
-  <p:timing>
-    <p:tnLst>
-      <p:par>
-        <p:cTn id="1" dur="indefinite" restart="never" nodeType="tmRoot"/>
-      </p:par>
-    </p:tnLst>
-  </p:timing>
-</p:sld>
-</file>
-
-<file path=ppt/slides/slide9.xml><?xml version="1.0" encoding="utf-8"?>
-<p:sld xmlns:a="http://schemas.openxmlformats.org/drawingml/2006/main" xmlns:r="http://schemas.openxmlformats.org/officeDocument/2006/relationships" xmlns:p="http://schemas.openxmlformats.org/presentationml/2006/main">
-  <p:cSld>
-    <p:spTree>
-      <p:nvGrpSpPr>
-        <p:cNvPr id="1" name=""/>
-        <p:cNvGrpSpPr/>
-        <p:nvPr/>
-      </p:nvGrpSpPr>
-      <p:grpSpPr>
-        <a:xfrm>
-          <a:off x="0" y="0"/>
-          <a:ext cx="0" cy="0"/>
-          <a:chOff x="0" y="0"/>
-          <a:chExt cx="0" cy="0"/>
-        </a:xfrm>
-      </p:grpSpPr>
-      <p:sp>
-        <p:nvSpPr>
-          <p:cNvPr id="2" name="Title 1">
-            <a:extLst>
-              <a:ext uri="{FF2B5EF4-FFF2-40B4-BE49-F238E27FC236}">
-                <a16:creationId xmlns:a16="http://schemas.microsoft.com/office/drawing/2014/main" xmlns="" id="{0DC45835-AE55-4795-B106-C964BCDE148E}"/>
-              </a:ext>
-            </a:extLst>
-          </p:cNvPr>
-          <p:cNvSpPr>
-            <a:spLocks noGrp="1"/>
-          </p:cNvSpPr>
-          <p:nvPr>
-            <p:ph type="title"/>
-          </p:nvPr>
-        </p:nvSpPr>
-        <p:spPr>
-          <a:xfrm>
-            <a:off x="913795" y="569844"/>
-            <a:ext cx="10353761" cy="1326321"/>
-          </a:xfrm>
-        </p:spPr>
-        <p:txBody>
-          <a:bodyPr>
-            <a:normAutofit/>
-          </a:bodyPr>
-          <a:lstStyle/>
-          <a:p>
-            <a:r>
-              <a:rPr lang="en-US" sz="3600" dirty="0" smtClean="0">
-                <a:solidFill>
-                  <a:srgbClr val="FFFF00"/>
-                </a:solidFill>
-              </a:rPr>
-              <a:t>motivation</a:t>
-            </a:r>
-            <a:endParaRPr lang="en-US" sz="3600" dirty="0"/>
-          </a:p>
-        </p:txBody>
-      </p:sp>
-      <p:sp>
-        <p:nvSpPr>
-          <p:cNvPr id="3" name="Content Placeholder 2">
-            <a:extLst>
-              <a:ext uri="{FF2B5EF4-FFF2-40B4-BE49-F238E27FC236}">
-                <a16:creationId xmlns:a16="http://schemas.microsoft.com/office/drawing/2014/main" xmlns="" id="{BC8FE7A9-5E53-4CD4-8614-07BC31C903FB}"/>
-              </a:ext>
-            </a:extLst>
-          </p:cNvPr>
-          <p:cNvSpPr>
-            <a:spLocks noGrp="1"/>
-          </p:cNvSpPr>
-          <p:nvPr>
-            <p:ph idx="1"/>
-          </p:nvPr>
-        </p:nvSpPr>
-        <p:spPr>
-          <a:xfrm>
-            <a:off x="913795" y="1937039"/>
-            <a:ext cx="10353761" cy="4387561"/>
-          </a:xfrm>
-        </p:spPr>
-        <p:txBody>
-          <a:bodyPr>
-            <a:normAutofit/>
-          </a:bodyPr>
-          <a:lstStyle/>
-          <a:p>
-            <a:pPr marL="0" indent="0">
-              <a:buNone/>
-            </a:pPr>
-            <a:r>
-              <a:rPr lang="en-US" dirty="0"/>
-              <a:t> </a:t>
-            </a:r>
-            <a:r>
-              <a:rPr lang="en-US" dirty="0" smtClean="0"/>
-              <a:t>      </a:t>
-            </a:r>
-            <a:r>
-              <a:rPr lang="en-US" sz="2200" dirty="0" smtClean="0"/>
-              <a:t>Along with the modernization of the world, in every sector of life is needed to be upgraded . That’s why digitization is needed everywhere . With a view to claiming that, all type of office work is taken under modern machines . Nevertheless, the social organizations are also doing the same . In the management sector of hotel, leaving the pen-paper manual method adapting with digital system is certainly difficult . But to do so, a convenient and user-friendly is needed . That’s the motive of my work . Along with this , the security and privacy of the data is very important . That’s why the matter of encryption-decryption has been initiated . To fulfill and manage the prerequisites of people, this project is being developed.</a:t>
-            </a:r>
-            <a:endParaRPr lang="en-US" sz="2200" dirty="0"/>
-          </a:p>
-        </p:txBody>
-      </p:sp>
-    </p:spTree>
-    <p:extLst>
-      <p:ext uri="{BB962C8B-B14F-4D97-AF65-F5344CB8AC3E}">
-        <p14:creationId xmlns:p14="http://schemas.microsoft.com/office/powerpoint/2010/main" val="2457526163"/>
-      </p:ext>
-    </p:extLst>
-  </p:cSld>
-  <p:clrMapOvr>
-    <a:masterClrMapping/>
-  </p:clrMapOvr>
-  <mc:AlternateContent xmlns:mc="http://schemas.openxmlformats.org/markup-compatibility/2006">
-    <mc:Choice xmlns:p159="http://schemas.microsoft.com/office/powerpoint/2015/09/main" xmlns="" Requires="p159">
+    <mc:Choice xmlns="" xmlns:p159="http://schemas.microsoft.com/office/powerpoint/2015/09/main" Requires="p159">
       <p:transition xmlns:p14="http://schemas.microsoft.com/office/powerpoint/2010/main" spd="slow" p14:dur="2000">
         <p159:morph option="byObject"/>
       </p:transition>
